--- a/Carcharhinid Analysis Groups Presentation.pptx
+++ b/Carcharhinid Analysis Groups Presentation.pptx
@@ -11,6 +11,18 @@
     <p:sldId id="261" r:id="rId5"/>
     <p:sldId id="259" r:id="rId6"/>
     <p:sldId id="257" r:id="rId7"/>
+    <p:sldId id="271" r:id="rId8"/>
+    <p:sldId id="262" r:id="rId9"/>
+    <p:sldId id="263" r:id="rId10"/>
+    <p:sldId id="264" r:id="rId11"/>
+    <p:sldId id="272" r:id="rId12"/>
+    <p:sldId id="265" r:id="rId13"/>
+    <p:sldId id="266" r:id="rId14"/>
+    <p:sldId id="267" r:id="rId15"/>
+    <p:sldId id="273" r:id="rId16"/>
+    <p:sldId id="268" r:id="rId17"/>
+    <p:sldId id="269" r:id="rId18"/>
+    <p:sldId id="270" r:id="rId19"/>
   </p:sldIdLst>
   <p:sldSz cx="12192000" cy="6858000"/>
   <p:notesSz cx="6858000" cy="9144000"/>
@@ -5150,7 +5162,7 @@
           <a:p>
             <a:fld id="{57D17879-E81E-43C1-9796-3544A08D3069}" type="datetimeFigureOut">
               <a:rPr lang="en-US" smtClean="0"/>
-              <a:t>11/29/2020</a:t>
+              <a:t>12/1/20</a:t>
             </a:fld>
             <a:endParaRPr lang="en-US"/>
           </a:p>
@@ -5348,7 +5360,7 @@
           <a:p>
             <a:fld id="{57D17879-E81E-43C1-9796-3544A08D3069}" type="datetimeFigureOut">
               <a:rPr lang="en-US" smtClean="0"/>
-              <a:t>11/29/2020</a:t>
+              <a:t>12/1/20</a:t>
             </a:fld>
             <a:endParaRPr lang="en-US"/>
           </a:p>
@@ -5556,7 +5568,7 @@
           <a:p>
             <a:fld id="{57D17879-E81E-43C1-9796-3544A08D3069}" type="datetimeFigureOut">
               <a:rPr lang="en-US" smtClean="0"/>
-              <a:t>11/29/2020</a:t>
+              <a:t>12/1/20</a:t>
             </a:fld>
             <a:endParaRPr lang="en-US"/>
           </a:p>
@@ -5754,7 +5766,7 @@
           <a:p>
             <a:fld id="{57D17879-E81E-43C1-9796-3544A08D3069}" type="datetimeFigureOut">
               <a:rPr lang="en-US" smtClean="0"/>
-              <a:t>11/29/2020</a:t>
+              <a:t>12/1/20</a:t>
             </a:fld>
             <a:endParaRPr lang="en-US"/>
           </a:p>
@@ -6029,7 +6041,7 @@
           <a:p>
             <a:fld id="{57D17879-E81E-43C1-9796-3544A08D3069}" type="datetimeFigureOut">
               <a:rPr lang="en-US" smtClean="0"/>
-              <a:t>11/29/2020</a:t>
+              <a:t>12/1/20</a:t>
             </a:fld>
             <a:endParaRPr lang="en-US"/>
           </a:p>
@@ -6294,7 +6306,7 @@
           <a:p>
             <a:fld id="{57D17879-E81E-43C1-9796-3544A08D3069}" type="datetimeFigureOut">
               <a:rPr lang="en-US" smtClean="0"/>
-              <a:t>11/29/2020</a:t>
+              <a:t>12/1/20</a:t>
             </a:fld>
             <a:endParaRPr lang="en-US"/>
           </a:p>
@@ -6706,7 +6718,7 @@
           <a:p>
             <a:fld id="{57D17879-E81E-43C1-9796-3544A08D3069}" type="datetimeFigureOut">
               <a:rPr lang="en-US" smtClean="0"/>
-              <a:t>11/29/2020</a:t>
+              <a:t>12/1/20</a:t>
             </a:fld>
             <a:endParaRPr lang="en-US"/>
           </a:p>
@@ -6847,7 +6859,7 @@
           <a:p>
             <a:fld id="{57D17879-E81E-43C1-9796-3544A08D3069}" type="datetimeFigureOut">
               <a:rPr lang="en-US" smtClean="0"/>
-              <a:t>11/29/2020</a:t>
+              <a:t>12/1/20</a:t>
             </a:fld>
             <a:endParaRPr lang="en-US"/>
           </a:p>
@@ -6960,7 +6972,7 @@
           <a:p>
             <a:fld id="{57D17879-E81E-43C1-9796-3544A08D3069}" type="datetimeFigureOut">
               <a:rPr lang="en-US" smtClean="0"/>
-              <a:t>11/29/2020</a:t>
+              <a:t>12/1/20</a:t>
             </a:fld>
             <a:endParaRPr lang="en-US"/>
           </a:p>
@@ -7271,7 +7283,7 @@
           <a:p>
             <a:fld id="{57D17879-E81E-43C1-9796-3544A08D3069}" type="datetimeFigureOut">
               <a:rPr lang="en-US" smtClean="0"/>
-              <a:t>11/29/2020</a:t>
+              <a:t>12/1/20</a:t>
             </a:fld>
             <a:endParaRPr lang="en-US"/>
           </a:p>
@@ -7559,7 +7571,7 @@
           <a:p>
             <a:fld id="{57D17879-E81E-43C1-9796-3544A08D3069}" type="datetimeFigureOut">
               <a:rPr lang="en-US" smtClean="0"/>
-              <a:t>11/29/2020</a:t>
+              <a:t>12/1/20</a:t>
             </a:fld>
             <a:endParaRPr lang="en-US"/>
           </a:p>
@@ -7800,7 +7812,7 @@
           <a:p>
             <a:fld id="{57D17879-E81E-43C1-9796-3544A08D3069}" type="datetimeFigureOut">
               <a:rPr lang="en-US" smtClean="0"/>
-              <a:t>11/29/2020</a:t>
+              <a:t>12/1/20</a:t>
             </a:fld>
             <a:endParaRPr lang="en-US"/>
           </a:p>
@@ -8298,6 +8310,638 @@
 </p:sld>
 </file>
 
+<file path=ppt/slides/slide10.xml><?xml version="1.0" encoding="utf-8"?>
+<p:sld xmlns:a="http://schemas.openxmlformats.org/drawingml/2006/main" xmlns:r="http://schemas.openxmlformats.org/officeDocument/2006/relationships" xmlns:p="http://schemas.openxmlformats.org/presentationml/2006/main">
+  <p:cSld>
+    <p:spTree>
+      <p:nvGrpSpPr>
+        <p:cNvPr id="1" name=""/>
+        <p:cNvGrpSpPr/>
+        <p:nvPr/>
+      </p:nvGrpSpPr>
+      <p:grpSpPr>
+        <a:xfrm>
+          <a:off x="0" y="0"/>
+          <a:ext cx="0" cy="0"/>
+          <a:chOff x="0" y="0"/>
+          <a:chExt cx="0" cy="0"/>
+        </a:xfrm>
+      </p:grpSpPr>
+      <p:pic>
+        <p:nvPicPr>
+          <p:cNvPr id="3" name="Picture 2" descr="Chart, bar chart&#10;&#10;Description automatically generated">
+            <a:extLst>
+              <a:ext uri="{FF2B5EF4-FFF2-40B4-BE49-F238E27FC236}">
+                <a16:creationId xmlns:a16="http://schemas.microsoft.com/office/drawing/2014/main" id="{4E8B4E9C-B687-DB4A-A165-1351A443BFB4}"/>
+              </a:ext>
+            </a:extLst>
+          </p:cNvPr>
+          <p:cNvPicPr>
+            <a:picLocks noChangeAspect="1"/>
+          </p:cNvPicPr>
+          <p:nvPr/>
+        </p:nvPicPr>
+        <p:blipFill>
+          <a:blip r:embed="rId2">
+            <a:extLst>
+              <a:ext uri="{28A0092B-C50C-407E-A947-70E740481C1C}">
+                <a14:useLocalDpi xmlns:a14="http://schemas.microsoft.com/office/drawing/2010/main" val="0"/>
+              </a:ext>
+            </a:extLst>
+          </a:blip>
+          <a:stretch>
+            <a:fillRect/>
+          </a:stretch>
+        </p:blipFill>
+        <p:spPr>
+          <a:xfrm>
+            <a:off x="1317522" y="352928"/>
+            <a:ext cx="9556955" cy="6152143"/>
+          </a:xfrm>
+          <a:prstGeom prst="rect">
+            <a:avLst/>
+          </a:prstGeom>
+        </p:spPr>
+      </p:pic>
+    </p:spTree>
+    <p:extLst>
+      <p:ext uri="{BB962C8B-B14F-4D97-AF65-F5344CB8AC3E}">
+        <p14:creationId xmlns:p14="http://schemas.microsoft.com/office/powerpoint/2010/main" val="3955357484"/>
+      </p:ext>
+    </p:extLst>
+  </p:cSld>
+  <p:clrMapOvr>
+    <a:masterClrMapping/>
+  </p:clrMapOvr>
+</p:sld>
+</file>
+
+<file path=ppt/slides/slide11.xml><?xml version="1.0" encoding="utf-8"?>
+<p:sld xmlns:a="http://schemas.openxmlformats.org/drawingml/2006/main" xmlns:r="http://schemas.openxmlformats.org/officeDocument/2006/relationships" xmlns:p="http://schemas.openxmlformats.org/presentationml/2006/main">
+  <p:cSld>
+    <p:spTree>
+      <p:nvGrpSpPr>
+        <p:cNvPr id="1" name=""/>
+        <p:cNvGrpSpPr/>
+        <p:nvPr/>
+      </p:nvGrpSpPr>
+      <p:grpSpPr>
+        <a:xfrm>
+          <a:off x="0" y="0"/>
+          <a:ext cx="0" cy="0"/>
+          <a:chOff x="0" y="0"/>
+          <a:chExt cx="0" cy="0"/>
+        </a:xfrm>
+      </p:grpSpPr>
+      <p:sp>
+        <p:nvSpPr>
+          <p:cNvPr id="2" name="Title 1">
+            <a:extLst>
+              <a:ext uri="{FF2B5EF4-FFF2-40B4-BE49-F238E27FC236}">
+                <a16:creationId xmlns:a16="http://schemas.microsoft.com/office/drawing/2014/main" id="{6664812E-1DF0-5640-8DC4-248A1E8EF10F}"/>
+              </a:ext>
+            </a:extLst>
+          </p:cNvPr>
+          <p:cNvSpPr>
+            <a:spLocks noGrp="1"/>
+          </p:cNvSpPr>
+          <p:nvPr>
+            <p:ph type="ctrTitle"/>
+          </p:nvPr>
+        </p:nvSpPr>
+        <p:spPr/>
+        <p:txBody>
+          <a:bodyPr/>
+          <a:lstStyle/>
+          <a:p>
+            <a:r>
+              <a:rPr lang="en-US" dirty="0" err="1"/>
+              <a:t>Mazuri</a:t>
+            </a:r>
+            <a:r>
+              <a:rPr lang="en-US" dirty="0"/>
+              <a:t> Vitamins</a:t>
+            </a:r>
+          </a:p>
+        </p:txBody>
+      </p:sp>
+      <p:sp>
+        <p:nvSpPr>
+          <p:cNvPr id="3" name="Subtitle 2">
+            <a:extLst>
+              <a:ext uri="{FF2B5EF4-FFF2-40B4-BE49-F238E27FC236}">
+                <a16:creationId xmlns:a16="http://schemas.microsoft.com/office/drawing/2014/main" id="{8B04BA78-DE3C-AE46-922B-7E49E2A7CDB4}"/>
+              </a:ext>
+            </a:extLst>
+          </p:cNvPr>
+          <p:cNvSpPr>
+            <a:spLocks noGrp="1"/>
+          </p:cNvSpPr>
+          <p:nvPr>
+            <p:ph type="subTitle" idx="1"/>
+          </p:nvPr>
+        </p:nvSpPr>
+        <p:spPr/>
+        <p:txBody>
+          <a:bodyPr/>
+          <a:lstStyle/>
+          <a:p>
+            <a:endParaRPr lang="en-US"/>
+          </a:p>
+        </p:txBody>
+      </p:sp>
+    </p:spTree>
+    <p:extLst>
+      <p:ext uri="{BB962C8B-B14F-4D97-AF65-F5344CB8AC3E}">
+        <p14:creationId xmlns:p14="http://schemas.microsoft.com/office/powerpoint/2010/main" val="1340417737"/>
+      </p:ext>
+    </p:extLst>
+  </p:cSld>
+  <p:clrMapOvr>
+    <a:masterClrMapping/>
+  </p:clrMapOvr>
+</p:sld>
+</file>
+
+<file path=ppt/slides/slide12.xml><?xml version="1.0" encoding="utf-8"?>
+<p:sld xmlns:a="http://schemas.openxmlformats.org/drawingml/2006/main" xmlns:r="http://schemas.openxmlformats.org/officeDocument/2006/relationships" xmlns:p="http://schemas.openxmlformats.org/presentationml/2006/main">
+  <p:cSld>
+    <p:spTree>
+      <p:nvGrpSpPr>
+        <p:cNvPr id="1" name=""/>
+        <p:cNvGrpSpPr/>
+        <p:nvPr/>
+      </p:nvGrpSpPr>
+      <p:grpSpPr>
+        <a:xfrm>
+          <a:off x="0" y="0"/>
+          <a:ext cx="0" cy="0"/>
+          <a:chOff x="0" y="0"/>
+          <a:chExt cx="0" cy="0"/>
+        </a:xfrm>
+      </p:grpSpPr>
+      <p:pic>
+        <p:nvPicPr>
+          <p:cNvPr id="3" name="Picture 2" descr="Chart, bar chart&#10;&#10;Description automatically generated">
+            <a:extLst>
+              <a:ext uri="{FF2B5EF4-FFF2-40B4-BE49-F238E27FC236}">
+                <a16:creationId xmlns:a16="http://schemas.microsoft.com/office/drawing/2014/main" id="{89ECC922-6C91-3744-8AF6-D601871C8FA5}"/>
+              </a:ext>
+            </a:extLst>
+          </p:cNvPr>
+          <p:cNvPicPr>
+            <a:picLocks noChangeAspect="1"/>
+          </p:cNvPicPr>
+          <p:nvPr/>
+        </p:nvPicPr>
+        <p:blipFill>
+          <a:blip r:embed="rId2">
+            <a:extLst>
+              <a:ext uri="{28A0092B-C50C-407E-A947-70E740481C1C}">
+                <a14:useLocalDpi xmlns:a14="http://schemas.microsoft.com/office/drawing/2010/main" val="0"/>
+              </a:ext>
+            </a:extLst>
+          </a:blip>
+          <a:stretch>
+            <a:fillRect/>
+          </a:stretch>
+        </p:blipFill>
+        <p:spPr>
+          <a:xfrm>
+            <a:off x="1089639" y="206232"/>
+            <a:ext cx="10012721" cy="6445535"/>
+          </a:xfrm>
+          <a:prstGeom prst="rect">
+            <a:avLst/>
+          </a:prstGeom>
+        </p:spPr>
+      </p:pic>
+    </p:spTree>
+    <p:extLst>
+      <p:ext uri="{BB962C8B-B14F-4D97-AF65-F5344CB8AC3E}">
+        <p14:creationId xmlns:p14="http://schemas.microsoft.com/office/powerpoint/2010/main" val="1588170527"/>
+      </p:ext>
+    </p:extLst>
+  </p:cSld>
+  <p:clrMapOvr>
+    <a:masterClrMapping/>
+  </p:clrMapOvr>
+</p:sld>
+</file>
+
+<file path=ppt/slides/slide13.xml><?xml version="1.0" encoding="utf-8"?>
+<p:sld xmlns:a="http://schemas.openxmlformats.org/drawingml/2006/main" xmlns:r="http://schemas.openxmlformats.org/officeDocument/2006/relationships" xmlns:p="http://schemas.openxmlformats.org/presentationml/2006/main">
+  <p:cSld>
+    <p:spTree>
+      <p:nvGrpSpPr>
+        <p:cNvPr id="1" name=""/>
+        <p:cNvGrpSpPr/>
+        <p:nvPr/>
+      </p:nvGrpSpPr>
+      <p:grpSpPr>
+        <a:xfrm>
+          <a:off x="0" y="0"/>
+          <a:ext cx="0" cy="0"/>
+          <a:chOff x="0" y="0"/>
+          <a:chExt cx="0" cy="0"/>
+        </a:xfrm>
+      </p:grpSpPr>
+      <p:pic>
+        <p:nvPicPr>
+          <p:cNvPr id="3" name="Picture 2" descr="Chart, bar chart&#10;&#10;Description automatically generated">
+            <a:extLst>
+              <a:ext uri="{FF2B5EF4-FFF2-40B4-BE49-F238E27FC236}">
+                <a16:creationId xmlns:a16="http://schemas.microsoft.com/office/drawing/2014/main" id="{D596D86E-8361-6F42-9B20-D7B80FBE40A5}"/>
+              </a:ext>
+            </a:extLst>
+          </p:cNvPr>
+          <p:cNvPicPr>
+            <a:picLocks noChangeAspect="1"/>
+          </p:cNvPicPr>
+          <p:nvPr/>
+        </p:nvPicPr>
+        <p:blipFill>
+          <a:blip r:embed="rId2">
+            <a:extLst>
+              <a:ext uri="{28A0092B-C50C-407E-A947-70E740481C1C}">
+                <a14:useLocalDpi xmlns:a14="http://schemas.microsoft.com/office/drawing/2010/main" val="0"/>
+              </a:ext>
+            </a:extLst>
+          </a:blip>
+          <a:stretch>
+            <a:fillRect/>
+          </a:stretch>
+        </p:blipFill>
+        <p:spPr>
+          <a:xfrm>
+            <a:off x="1169731" y="242130"/>
+            <a:ext cx="9852537" cy="6373740"/>
+          </a:xfrm>
+          <a:prstGeom prst="rect">
+            <a:avLst/>
+          </a:prstGeom>
+        </p:spPr>
+      </p:pic>
+    </p:spTree>
+    <p:extLst>
+      <p:ext uri="{BB962C8B-B14F-4D97-AF65-F5344CB8AC3E}">
+        <p14:creationId xmlns:p14="http://schemas.microsoft.com/office/powerpoint/2010/main" val="339365148"/>
+      </p:ext>
+    </p:extLst>
+  </p:cSld>
+  <p:clrMapOvr>
+    <a:masterClrMapping/>
+  </p:clrMapOvr>
+</p:sld>
+</file>
+
+<file path=ppt/slides/slide14.xml><?xml version="1.0" encoding="utf-8"?>
+<p:sld xmlns:a="http://schemas.openxmlformats.org/drawingml/2006/main" xmlns:r="http://schemas.openxmlformats.org/officeDocument/2006/relationships" xmlns:p="http://schemas.openxmlformats.org/presentationml/2006/main">
+  <p:cSld>
+    <p:spTree>
+      <p:nvGrpSpPr>
+        <p:cNvPr id="1" name=""/>
+        <p:cNvGrpSpPr/>
+        <p:nvPr/>
+      </p:nvGrpSpPr>
+      <p:grpSpPr>
+        <a:xfrm>
+          <a:off x="0" y="0"/>
+          <a:ext cx="0" cy="0"/>
+          <a:chOff x="0" y="0"/>
+          <a:chExt cx="0" cy="0"/>
+        </a:xfrm>
+      </p:grpSpPr>
+      <p:pic>
+        <p:nvPicPr>
+          <p:cNvPr id="3" name="Picture 2" descr="Chart, bar chart&#10;&#10;Description automatically generated">
+            <a:extLst>
+              <a:ext uri="{FF2B5EF4-FFF2-40B4-BE49-F238E27FC236}">
+                <a16:creationId xmlns:a16="http://schemas.microsoft.com/office/drawing/2014/main" id="{55B62AE0-FFE7-034C-A177-8CCC17AAF16D}"/>
+              </a:ext>
+            </a:extLst>
+          </p:cNvPr>
+          <p:cNvPicPr>
+            <a:picLocks noChangeAspect="1"/>
+          </p:cNvPicPr>
+          <p:nvPr/>
+        </p:nvPicPr>
+        <p:blipFill>
+          <a:blip r:embed="rId2">
+            <a:extLst>
+              <a:ext uri="{28A0092B-C50C-407E-A947-70E740481C1C}">
+                <a14:useLocalDpi xmlns:a14="http://schemas.microsoft.com/office/drawing/2010/main" val="0"/>
+              </a:ext>
+            </a:extLst>
+          </a:blip>
+          <a:stretch>
+            <a:fillRect/>
+          </a:stretch>
+        </p:blipFill>
+        <p:spPr>
+          <a:xfrm>
+            <a:off x="1234469" y="299464"/>
+            <a:ext cx="9723061" cy="6259071"/>
+          </a:xfrm>
+          <a:prstGeom prst="rect">
+            <a:avLst/>
+          </a:prstGeom>
+        </p:spPr>
+      </p:pic>
+    </p:spTree>
+    <p:extLst>
+      <p:ext uri="{BB962C8B-B14F-4D97-AF65-F5344CB8AC3E}">
+        <p14:creationId xmlns:p14="http://schemas.microsoft.com/office/powerpoint/2010/main" val="4277063444"/>
+      </p:ext>
+    </p:extLst>
+  </p:cSld>
+  <p:clrMapOvr>
+    <a:masterClrMapping/>
+  </p:clrMapOvr>
+</p:sld>
+</file>
+
+<file path=ppt/slides/slide15.xml><?xml version="1.0" encoding="utf-8"?>
+<p:sld xmlns:a="http://schemas.openxmlformats.org/drawingml/2006/main" xmlns:r="http://schemas.openxmlformats.org/officeDocument/2006/relationships" xmlns:p="http://schemas.openxmlformats.org/presentationml/2006/main">
+  <p:cSld>
+    <p:spTree>
+      <p:nvGrpSpPr>
+        <p:cNvPr id="1" name=""/>
+        <p:cNvGrpSpPr/>
+        <p:nvPr/>
+      </p:nvGrpSpPr>
+      <p:grpSpPr>
+        <a:xfrm>
+          <a:off x="0" y="0"/>
+          <a:ext cx="0" cy="0"/>
+          <a:chOff x="0" y="0"/>
+          <a:chExt cx="0" cy="0"/>
+        </a:xfrm>
+      </p:grpSpPr>
+      <p:sp>
+        <p:nvSpPr>
+          <p:cNvPr id="2" name="Title 1">
+            <a:extLst>
+              <a:ext uri="{FF2B5EF4-FFF2-40B4-BE49-F238E27FC236}">
+                <a16:creationId xmlns:a16="http://schemas.microsoft.com/office/drawing/2014/main" id="{6664812E-1DF0-5640-8DC4-248A1E8EF10F}"/>
+              </a:ext>
+            </a:extLst>
+          </p:cNvPr>
+          <p:cNvSpPr>
+            <a:spLocks noGrp="1"/>
+          </p:cNvSpPr>
+          <p:nvPr>
+            <p:ph type="ctrTitle"/>
+          </p:nvPr>
+        </p:nvSpPr>
+        <p:spPr/>
+        <p:txBody>
+          <a:bodyPr/>
+          <a:lstStyle/>
+          <a:p>
+            <a:r>
+              <a:rPr lang="en-US" dirty="0"/>
+              <a:t>Group Feeding</a:t>
+            </a:r>
+          </a:p>
+        </p:txBody>
+      </p:sp>
+      <p:sp>
+        <p:nvSpPr>
+          <p:cNvPr id="3" name="Subtitle 2">
+            <a:extLst>
+              <a:ext uri="{FF2B5EF4-FFF2-40B4-BE49-F238E27FC236}">
+                <a16:creationId xmlns:a16="http://schemas.microsoft.com/office/drawing/2014/main" id="{8B04BA78-DE3C-AE46-922B-7E49E2A7CDB4}"/>
+              </a:ext>
+            </a:extLst>
+          </p:cNvPr>
+          <p:cNvSpPr>
+            <a:spLocks noGrp="1"/>
+          </p:cNvSpPr>
+          <p:nvPr>
+            <p:ph type="subTitle" idx="1"/>
+          </p:nvPr>
+        </p:nvSpPr>
+        <p:spPr/>
+        <p:txBody>
+          <a:bodyPr/>
+          <a:lstStyle/>
+          <a:p>
+            <a:endParaRPr lang="en-US"/>
+          </a:p>
+        </p:txBody>
+      </p:sp>
+    </p:spTree>
+    <p:extLst>
+      <p:ext uri="{BB962C8B-B14F-4D97-AF65-F5344CB8AC3E}">
+        <p14:creationId xmlns:p14="http://schemas.microsoft.com/office/powerpoint/2010/main" val="3486344236"/>
+      </p:ext>
+    </p:extLst>
+  </p:cSld>
+  <p:clrMapOvr>
+    <a:masterClrMapping/>
+  </p:clrMapOvr>
+</p:sld>
+</file>
+
+<file path=ppt/slides/slide16.xml><?xml version="1.0" encoding="utf-8"?>
+<p:sld xmlns:a="http://schemas.openxmlformats.org/drawingml/2006/main" xmlns:r="http://schemas.openxmlformats.org/officeDocument/2006/relationships" xmlns:p="http://schemas.openxmlformats.org/presentationml/2006/main">
+  <p:cSld>
+    <p:spTree>
+      <p:nvGrpSpPr>
+        <p:cNvPr id="1" name=""/>
+        <p:cNvGrpSpPr/>
+        <p:nvPr/>
+      </p:nvGrpSpPr>
+      <p:grpSpPr>
+        <a:xfrm>
+          <a:off x="0" y="0"/>
+          <a:ext cx="0" cy="0"/>
+          <a:chOff x="0" y="0"/>
+          <a:chExt cx="0" cy="0"/>
+        </a:xfrm>
+      </p:grpSpPr>
+      <p:pic>
+        <p:nvPicPr>
+          <p:cNvPr id="3" name="Picture 2" descr="Chart, bar chart&#10;&#10;Description automatically generated">
+            <a:extLst>
+              <a:ext uri="{FF2B5EF4-FFF2-40B4-BE49-F238E27FC236}">
+                <a16:creationId xmlns:a16="http://schemas.microsoft.com/office/drawing/2014/main" id="{6F382C17-6B95-B245-866F-7EF9582B0344}"/>
+              </a:ext>
+            </a:extLst>
+          </p:cNvPr>
+          <p:cNvPicPr>
+            <a:picLocks noChangeAspect="1"/>
+          </p:cNvPicPr>
+          <p:nvPr/>
+        </p:nvPicPr>
+        <p:blipFill>
+          <a:blip r:embed="rId2">
+            <a:extLst>
+              <a:ext uri="{28A0092B-C50C-407E-A947-70E740481C1C}">
+                <a14:useLocalDpi xmlns:a14="http://schemas.microsoft.com/office/drawing/2010/main" val="0"/>
+              </a:ext>
+            </a:extLst>
+          </a:blip>
+          <a:stretch>
+            <a:fillRect/>
+          </a:stretch>
+        </p:blipFill>
+        <p:spPr>
+          <a:xfrm>
+            <a:off x="1236406" y="261802"/>
+            <a:ext cx="9719187" cy="6334396"/>
+          </a:xfrm>
+          <a:prstGeom prst="rect">
+            <a:avLst/>
+          </a:prstGeom>
+        </p:spPr>
+      </p:pic>
+    </p:spTree>
+    <p:extLst>
+      <p:ext uri="{BB962C8B-B14F-4D97-AF65-F5344CB8AC3E}">
+        <p14:creationId xmlns:p14="http://schemas.microsoft.com/office/powerpoint/2010/main" val="4022646747"/>
+      </p:ext>
+    </p:extLst>
+  </p:cSld>
+  <p:clrMapOvr>
+    <a:masterClrMapping/>
+  </p:clrMapOvr>
+</p:sld>
+</file>
+
+<file path=ppt/slides/slide17.xml><?xml version="1.0" encoding="utf-8"?>
+<p:sld xmlns:a="http://schemas.openxmlformats.org/drawingml/2006/main" xmlns:r="http://schemas.openxmlformats.org/officeDocument/2006/relationships" xmlns:p="http://schemas.openxmlformats.org/presentationml/2006/main">
+  <p:cSld>
+    <p:spTree>
+      <p:nvGrpSpPr>
+        <p:cNvPr id="1" name=""/>
+        <p:cNvGrpSpPr/>
+        <p:nvPr/>
+      </p:nvGrpSpPr>
+      <p:grpSpPr>
+        <a:xfrm>
+          <a:off x="0" y="0"/>
+          <a:ext cx="0" cy="0"/>
+          <a:chOff x="0" y="0"/>
+          <a:chExt cx="0" cy="0"/>
+        </a:xfrm>
+      </p:grpSpPr>
+      <p:pic>
+        <p:nvPicPr>
+          <p:cNvPr id="3" name="Picture 2" descr="Chart, bar chart&#10;&#10;Description automatically generated">
+            <a:extLst>
+              <a:ext uri="{FF2B5EF4-FFF2-40B4-BE49-F238E27FC236}">
+                <a16:creationId xmlns:a16="http://schemas.microsoft.com/office/drawing/2014/main" id="{007168EE-F5A7-0343-8736-5FA0954F1FA7}"/>
+              </a:ext>
+            </a:extLst>
+          </p:cNvPr>
+          <p:cNvPicPr>
+            <a:picLocks noChangeAspect="1"/>
+          </p:cNvPicPr>
+          <p:nvPr/>
+        </p:nvPicPr>
+        <p:blipFill>
+          <a:blip r:embed="rId2">
+            <a:extLst>
+              <a:ext uri="{28A0092B-C50C-407E-A947-70E740481C1C}">
+                <a14:useLocalDpi xmlns:a14="http://schemas.microsoft.com/office/drawing/2010/main" val="0"/>
+              </a:ext>
+            </a:extLst>
+          </a:blip>
+          <a:stretch>
+            <a:fillRect/>
+          </a:stretch>
+        </p:blipFill>
+        <p:spPr>
+          <a:xfrm>
+            <a:off x="1118419" y="208936"/>
+            <a:ext cx="9955161" cy="6440128"/>
+          </a:xfrm>
+          <a:prstGeom prst="rect">
+            <a:avLst/>
+          </a:prstGeom>
+        </p:spPr>
+      </p:pic>
+    </p:spTree>
+    <p:extLst>
+      <p:ext uri="{BB962C8B-B14F-4D97-AF65-F5344CB8AC3E}">
+        <p14:creationId xmlns:p14="http://schemas.microsoft.com/office/powerpoint/2010/main" val="4032253224"/>
+      </p:ext>
+    </p:extLst>
+  </p:cSld>
+  <p:clrMapOvr>
+    <a:masterClrMapping/>
+  </p:clrMapOvr>
+</p:sld>
+</file>
+
+<file path=ppt/slides/slide18.xml><?xml version="1.0" encoding="utf-8"?>
+<p:sld xmlns:a="http://schemas.openxmlformats.org/drawingml/2006/main" xmlns:r="http://schemas.openxmlformats.org/officeDocument/2006/relationships" xmlns:p="http://schemas.openxmlformats.org/presentationml/2006/main">
+  <p:cSld>
+    <p:spTree>
+      <p:nvGrpSpPr>
+        <p:cNvPr id="1" name=""/>
+        <p:cNvGrpSpPr/>
+        <p:nvPr/>
+      </p:nvGrpSpPr>
+      <p:grpSpPr>
+        <a:xfrm>
+          <a:off x="0" y="0"/>
+          <a:ext cx="0" cy="0"/>
+          <a:chOff x="0" y="0"/>
+          <a:chExt cx="0" cy="0"/>
+        </a:xfrm>
+      </p:grpSpPr>
+      <p:pic>
+        <p:nvPicPr>
+          <p:cNvPr id="3" name="Picture 2" descr="Chart, bar chart&#10;&#10;Description automatically generated">
+            <a:extLst>
+              <a:ext uri="{FF2B5EF4-FFF2-40B4-BE49-F238E27FC236}">
+                <a16:creationId xmlns:a16="http://schemas.microsoft.com/office/drawing/2014/main" id="{981D4123-A268-EA49-82D7-948832C3929B}"/>
+              </a:ext>
+            </a:extLst>
+          </p:cNvPr>
+          <p:cNvPicPr>
+            <a:picLocks noChangeAspect="1"/>
+          </p:cNvPicPr>
+          <p:nvPr/>
+        </p:nvPicPr>
+        <p:blipFill>
+          <a:blip r:embed="rId2">
+            <a:extLst>
+              <a:ext uri="{28A0092B-C50C-407E-A947-70E740481C1C}">
+                <a14:useLocalDpi xmlns:a14="http://schemas.microsoft.com/office/drawing/2010/main" val="0"/>
+              </a:ext>
+            </a:extLst>
+          </a:blip>
+          <a:stretch>
+            <a:fillRect/>
+          </a:stretch>
+        </p:blipFill>
+        <p:spPr>
+          <a:xfrm>
+            <a:off x="1133168" y="234253"/>
+            <a:ext cx="9925664" cy="6389493"/>
+          </a:xfrm>
+          <a:prstGeom prst="rect">
+            <a:avLst/>
+          </a:prstGeom>
+        </p:spPr>
+      </p:pic>
+    </p:spTree>
+    <p:extLst>
+      <p:ext uri="{BB962C8B-B14F-4D97-AF65-F5344CB8AC3E}">
+        <p14:creationId xmlns:p14="http://schemas.microsoft.com/office/powerpoint/2010/main" val="1171475925"/>
+      </p:ext>
+    </p:extLst>
+  </p:cSld>
+  <p:clrMapOvr>
+    <a:masterClrMapping/>
+  </p:clrMapOvr>
+</p:sld>
+</file>
+
 <file path=ppt/slides/slide2.xml><?xml version="1.0" encoding="utf-8"?>
 <p:sld xmlns:a="http://schemas.openxmlformats.org/drawingml/2006/main" xmlns:r="http://schemas.openxmlformats.org/officeDocument/2006/relationships" xmlns:p="http://schemas.openxmlformats.org/presentationml/2006/main">
   <p:cSld>
@@ -8803,6 +9447,221 @@
     <p:extLst>
       <p:ext uri="{BB962C8B-B14F-4D97-AF65-F5344CB8AC3E}">
         <p14:creationId xmlns:p14="http://schemas.microsoft.com/office/powerpoint/2010/main" val="649746320"/>
+      </p:ext>
+    </p:extLst>
+  </p:cSld>
+  <p:clrMapOvr>
+    <a:masterClrMapping/>
+  </p:clrMapOvr>
+</p:sld>
+</file>
+
+<file path=ppt/slides/slide7.xml><?xml version="1.0" encoding="utf-8"?>
+<p:sld xmlns:a="http://schemas.openxmlformats.org/drawingml/2006/main" xmlns:r="http://schemas.openxmlformats.org/officeDocument/2006/relationships" xmlns:p="http://schemas.openxmlformats.org/presentationml/2006/main">
+  <p:cSld>
+    <p:spTree>
+      <p:nvGrpSpPr>
+        <p:cNvPr id="1" name=""/>
+        <p:cNvGrpSpPr/>
+        <p:nvPr/>
+      </p:nvGrpSpPr>
+      <p:grpSpPr>
+        <a:xfrm>
+          <a:off x="0" y="0"/>
+          <a:ext cx="0" cy="0"/>
+          <a:chOff x="0" y="0"/>
+          <a:chExt cx="0" cy="0"/>
+        </a:xfrm>
+      </p:grpSpPr>
+      <p:sp>
+        <p:nvSpPr>
+          <p:cNvPr id="2" name="Title 1">
+            <a:extLst>
+              <a:ext uri="{FF2B5EF4-FFF2-40B4-BE49-F238E27FC236}">
+                <a16:creationId xmlns:a16="http://schemas.microsoft.com/office/drawing/2014/main" id="{6664812E-1DF0-5640-8DC4-248A1E8EF10F}"/>
+              </a:ext>
+            </a:extLst>
+          </p:cNvPr>
+          <p:cNvSpPr>
+            <a:spLocks noGrp="1"/>
+          </p:cNvSpPr>
+          <p:nvPr>
+            <p:ph type="ctrTitle"/>
+          </p:nvPr>
+        </p:nvSpPr>
+        <p:spPr/>
+        <p:txBody>
+          <a:bodyPr/>
+          <a:lstStyle/>
+          <a:p>
+            <a:r>
+              <a:rPr lang="en-US" dirty="0"/>
+              <a:t>Garlic</a:t>
+            </a:r>
+          </a:p>
+        </p:txBody>
+      </p:sp>
+      <p:sp>
+        <p:nvSpPr>
+          <p:cNvPr id="3" name="Subtitle 2">
+            <a:extLst>
+              <a:ext uri="{FF2B5EF4-FFF2-40B4-BE49-F238E27FC236}">
+                <a16:creationId xmlns:a16="http://schemas.microsoft.com/office/drawing/2014/main" id="{8B04BA78-DE3C-AE46-922B-7E49E2A7CDB4}"/>
+              </a:ext>
+            </a:extLst>
+          </p:cNvPr>
+          <p:cNvSpPr>
+            <a:spLocks noGrp="1"/>
+          </p:cNvSpPr>
+          <p:nvPr>
+            <p:ph type="subTitle" idx="1"/>
+          </p:nvPr>
+        </p:nvSpPr>
+        <p:spPr/>
+        <p:txBody>
+          <a:bodyPr/>
+          <a:lstStyle/>
+          <a:p>
+            <a:endParaRPr lang="en-US"/>
+          </a:p>
+        </p:txBody>
+      </p:sp>
+    </p:spTree>
+    <p:extLst>
+      <p:ext uri="{BB962C8B-B14F-4D97-AF65-F5344CB8AC3E}">
+        <p14:creationId xmlns:p14="http://schemas.microsoft.com/office/powerpoint/2010/main" val="2166108338"/>
+      </p:ext>
+    </p:extLst>
+  </p:cSld>
+  <p:clrMapOvr>
+    <a:masterClrMapping/>
+  </p:clrMapOvr>
+</p:sld>
+</file>
+
+<file path=ppt/slides/slide8.xml><?xml version="1.0" encoding="utf-8"?>
+<p:sld xmlns:a="http://schemas.openxmlformats.org/drawingml/2006/main" xmlns:r="http://schemas.openxmlformats.org/officeDocument/2006/relationships" xmlns:p="http://schemas.openxmlformats.org/presentationml/2006/main">
+  <p:cSld>
+    <p:spTree>
+      <p:nvGrpSpPr>
+        <p:cNvPr id="1" name=""/>
+        <p:cNvGrpSpPr/>
+        <p:nvPr/>
+      </p:nvGrpSpPr>
+      <p:grpSpPr>
+        <a:xfrm>
+          <a:off x="0" y="0"/>
+          <a:ext cx="0" cy="0"/>
+          <a:chOff x="0" y="0"/>
+          <a:chExt cx="0" cy="0"/>
+        </a:xfrm>
+      </p:grpSpPr>
+      <p:pic>
+        <p:nvPicPr>
+          <p:cNvPr id="5" name="Picture 4" descr="Chart, bar chart&#10;&#10;Description automatically generated">
+            <a:extLst>
+              <a:ext uri="{FF2B5EF4-FFF2-40B4-BE49-F238E27FC236}">
+                <a16:creationId xmlns:a16="http://schemas.microsoft.com/office/drawing/2014/main" id="{80AFEA1E-D5F0-D94E-AE7D-AB2BB7329297}"/>
+              </a:ext>
+            </a:extLst>
+          </p:cNvPr>
+          <p:cNvPicPr>
+            <a:picLocks noChangeAspect="1"/>
+          </p:cNvPicPr>
+          <p:nvPr/>
+        </p:nvPicPr>
+        <p:blipFill>
+          <a:blip r:embed="rId2">
+            <a:extLst>
+              <a:ext uri="{28A0092B-C50C-407E-A947-70E740481C1C}">
+                <a14:useLocalDpi xmlns:a14="http://schemas.microsoft.com/office/drawing/2010/main" val="0"/>
+              </a:ext>
+            </a:extLst>
+          </a:blip>
+          <a:stretch>
+            <a:fillRect/>
+          </a:stretch>
+        </p:blipFill>
+        <p:spPr>
+          <a:xfrm>
+            <a:off x="1265903" y="319699"/>
+            <a:ext cx="9660194" cy="6218601"/>
+          </a:xfrm>
+          <a:prstGeom prst="rect">
+            <a:avLst/>
+          </a:prstGeom>
+        </p:spPr>
+      </p:pic>
+    </p:spTree>
+    <p:extLst>
+      <p:ext uri="{BB962C8B-B14F-4D97-AF65-F5344CB8AC3E}">
+        <p14:creationId xmlns:p14="http://schemas.microsoft.com/office/powerpoint/2010/main" val="3824947821"/>
+      </p:ext>
+    </p:extLst>
+  </p:cSld>
+  <p:clrMapOvr>
+    <a:masterClrMapping/>
+  </p:clrMapOvr>
+</p:sld>
+</file>
+
+<file path=ppt/slides/slide9.xml><?xml version="1.0" encoding="utf-8"?>
+<p:sld xmlns:a="http://schemas.openxmlformats.org/drawingml/2006/main" xmlns:r="http://schemas.openxmlformats.org/officeDocument/2006/relationships" xmlns:p="http://schemas.openxmlformats.org/presentationml/2006/main">
+  <p:cSld>
+    <p:spTree>
+      <p:nvGrpSpPr>
+        <p:cNvPr id="1" name=""/>
+        <p:cNvGrpSpPr/>
+        <p:nvPr/>
+      </p:nvGrpSpPr>
+      <p:grpSpPr>
+        <a:xfrm>
+          <a:off x="0" y="0"/>
+          <a:ext cx="0" cy="0"/>
+          <a:chOff x="0" y="0"/>
+          <a:chExt cx="0" cy="0"/>
+        </a:xfrm>
+      </p:grpSpPr>
+      <p:pic>
+        <p:nvPicPr>
+          <p:cNvPr id="5" name="Picture 4" descr="Chart, bar chart&#10;&#10;Description automatically generated">
+            <a:extLst>
+              <a:ext uri="{FF2B5EF4-FFF2-40B4-BE49-F238E27FC236}">
+                <a16:creationId xmlns:a16="http://schemas.microsoft.com/office/drawing/2014/main" id="{D7410814-FF04-6C4E-9AF6-E35C1654CA78}"/>
+              </a:ext>
+            </a:extLst>
+          </p:cNvPr>
+          <p:cNvPicPr>
+            <a:picLocks noChangeAspect="1"/>
+          </p:cNvPicPr>
+          <p:nvPr/>
+        </p:nvPicPr>
+        <p:blipFill>
+          <a:blip r:embed="rId2">
+            <a:extLst>
+              <a:ext uri="{28A0092B-C50C-407E-A947-70E740481C1C}">
+                <a14:useLocalDpi xmlns:a14="http://schemas.microsoft.com/office/drawing/2010/main" val="0"/>
+              </a:ext>
+            </a:extLst>
+          </a:blip>
+          <a:stretch>
+            <a:fillRect/>
+          </a:stretch>
+        </p:blipFill>
+        <p:spPr>
+          <a:xfrm>
+            <a:off x="988142" y="237558"/>
+            <a:ext cx="9866671" cy="6382883"/>
+          </a:xfrm>
+          <a:prstGeom prst="rect">
+            <a:avLst/>
+          </a:prstGeom>
+        </p:spPr>
+      </p:pic>
+    </p:spTree>
+    <p:extLst>
+      <p:ext uri="{BB962C8B-B14F-4D97-AF65-F5344CB8AC3E}">
+        <p14:creationId xmlns:p14="http://schemas.microsoft.com/office/powerpoint/2010/main" val="1295495246"/>
       </p:ext>
     </p:extLst>
   </p:cSld>
